--- a/doc/Presentazione Culturea.pptx
+++ b/doc/Presentazione Culturea.pptx
@@ -14404,10 +14404,10 @@
       </p:sp>
       <p:pic>
         <p:nvPicPr>
-          <p:cNvPr id="4" name="Immagine 3" descr="Immagine che contiene testo&#10;&#10;Descrizione generata automaticamente">
-            <a:extLst>
-              <a:ext uri="{FF2B5EF4-FFF2-40B4-BE49-F238E27FC236}">
-                <a16:creationId xmlns:a16="http://schemas.microsoft.com/office/drawing/2014/main" id="{B47CEA3F-C462-3C74-1F91-04C4D180EE48}"/>
+          <p:cNvPr id="6" name="Immagine 5">
+            <a:extLst>
+              <a:ext uri="{FF2B5EF4-FFF2-40B4-BE49-F238E27FC236}">
+                <a16:creationId xmlns:a16="http://schemas.microsoft.com/office/drawing/2014/main" id="{006337A3-000B-4148-7343-0502CA9AE710}"/>
               </a:ext>
             </a:extLst>
           </p:cNvPr>
@@ -14430,7 +14430,7 @@
         </p:blipFill>
         <p:spPr>
           <a:xfrm>
-            <a:off x="964023" y="4451529"/>
+            <a:off x="6795939" y="4451529"/>
             <a:ext cx="4432040" cy="2045058"/>
           </a:xfrm>
           <a:prstGeom prst="rect">
@@ -14440,10 +14440,10 @@
       </p:pic>
       <p:pic>
         <p:nvPicPr>
-          <p:cNvPr id="6" name="Immagine 5">
-            <a:extLst>
-              <a:ext uri="{FF2B5EF4-FFF2-40B4-BE49-F238E27FC236}">
-                <a16:creationId xmlns:a16="http://schemas.microsoft.com/office/drawing/2014/main" id="{006337A3-000B-4148-7343-0502CA9AE710}"/>
+          <p:cNvPr id="5" name="Immagine 4">
+            <a:extLst>
+              <a:ext uri="{FF2B5EF4-FFF2-40B4-BE49-F238E27FC236}">
+                <a16:creationId xmlns:a16="http://schemas.microsoft.com/office/drawing/2014/main" id="{D4F5E0B5-223D-FD98-ECF7-09BF0E9EF274}"/>
               </a:ext>
             </a:extLst>
           </p:cNvPr>
@@ -14466,8 +14466,8 @@
         </p:blipFill>
         <p:spPr>
           <a:xfrm>
-            <a:off x="6795939" y="4451529"/>
-            <a:ext cx="4432040" cy="2045058"/>
+            <a:off x="964021" y="4451529"/>
+            <a:ext cx="4432041" cy="2045059"/>
           </a:xfrm>
           <a:prstGeom prst="rect">
             <a:avLst/>
@@ -15726,24 +15726,6 @@
 </file>
 
 <file path=customXml/item1.xml><?xml version="1.0" encoding="utf-8"?>
-<p:properties xmlns:p="http://schemas.microsoft.com/office/2006/metadata/properties" xmlns:xsi="http://www.w3.org/2001/XMLSchema-instance" xmlns:pc="http://schemas.microsoft.com/office/infopath/2007/PartnerControls">
-  <documentManagement>
-    <Status xmlns="71af3243-3dd4-4a8d-8c0d-dd76da1f02a5">Not started</Status>
-    <MediaServiceKeyPoints xmlns="71af3243-3dd4-4a8d-8c0d-dd76da1f02a5" xsi:nil="true"/>
-  </documentManagement>
-</p:properties>
-</file>
-
-<file path=customXml/item2.xml><?xml version="1.0" encoding="utf-8"?>
-<?mso-contentType ?>
-<FormTemplates xmlns="http://schemas.microsoft.com/sharepoint/v3/contenttype/forms">
-  <Display>DocumentLibraryForm</Display>
-  <Edit>DocumentLibraryForm</Edit>
-  <New>DocumentLibraryForm</New>
-</FormTemplates>
-</file>
-
-<file path=customXml/item3.xml><?xml version="1.0" encoding="utf-8"?>
 <ct:contentTypeSchema xmlns:ct="http://schemas.microsoft.com/office/2006/metadata/contentType" xmlns:ma="http://schemas.microsoft.com/office/2006/metadata/properties/metaAttributes" ct:_="" ma:_="" ma:contentTypeName="Document" ma:contentTypeID="0x01010079F111ED35F8CC479449609E8A0923A6" ma:contentTypeVersion="12" ma:contentTypeDescription="Create a new document." ma:contentTypeScope="" ma:versionID="426e97fa315356fffbdcd9876fe988c2">
   <xsd:schema xmlns:xsd="http://www.w3.org/2001/XMLSchema" xmlns:xs="http://www.w3.org/2001/XMLSchema" xmlns:p="http://schemas.microsoft.com/office/2006/metadata/properties" xmlns:ns2="71af3243-3dd4-4a8d-8c0d-dd76da1f02a5" xmlns:ns3="16c05727-aa75-4e4a-9b5f-8a80a1165891" targetNamespace="http://schemas.microsoft.com/office/2006/metadata/properties" ma:root="true" ma:fieldsID="14b8f0def80e6d70ce3def20c90759ae" ns2:_="" ns3:_="">
     <xsd:import namespace="71af3243-3dd4-4a8d-8c0d-dd76da1f02a5"/>
@@ -15964,25 +15946,25 @@
 </ct:contentTypeSchema>
 </file>
 
-<file path=customXml/itemProps1.xml><?xml version="1.0" encoding="utf-8"?>
-<ds:datastoreItem xmlns:ds="http://schemas.openxmlformats.org/officeDocument/2006/customXml" ds:itemID="{09EC1AB0-9704-404D-B6D3-819D938AC55B}">
-  <ds:schemaRefs>
-    <ds:schemaRef ds:uri="http://schemas.microsoft.com/office/2006/metadata/properties"/>
-    <ds:schemaRef ds:uri="http://schemas.microsoft.com/office/infopath/2007/PartnerControls"/>
-    <ds:schemaRef ds:uri="71af3243-3dd4-4a8d-8c0d-dd76da1f02a5"/>
-  </ds:schemaRefs>
-</ds:datastoreItem>
+<file path=customXml/item2.xml><?xml version="1.0" encoding="utf-8"?>
+<?mso-contentType ?>
+<FormTemplates xmlns="http://schemas.microsoft.com/sharepoint/v3/contenttype/forms">
+  <Display>DocumentLibraryForm</Display>
+  <Edit>DocumentLibraryForm</Edit>
+  <New>DocumentLibraryForm</New>
+</FormTemplates>
 </file>
 
-<file path=customXml/itemProps2.xml><?xml version="1.0" encoding="utf-8"?>
-<ds:datastoreItem xmlns:ds="http://schemas.openxmlformats.org/officeDocument/2006/customXml" ds:itemID="{1D20B6E4-879E-4E6C-BDE7-261540CD3765}">
-  <ds:schemaRefs>
-    <ds:schemaRef ds:uri="http://schemas.microsoft.com/sharepoint/v3/contenttype/forms"/>
-  </ds:schemaRefs>
-</ds:datastoreItem>
+<file path=customXml/item3.xml><?xml version="1.0" encoding="utf-8"?>
+<p:properties xmlns:p="http://schemas.microsoft.com/office/2006/metadata/properties" xmlns:xsi="http://www.w3.org/2001/XMLSchema-instance" xmlns:pc="http://schemas.microsoft.com/office/infopath/2007/PartnerControls">
+  <documentManagement>
+    <Status xmlns="71af3243-3dd4-4a8d-8c0d-dd76da1f02a5">Not started</Status>
+    <MediaServiceKeyPoints xmlns="71af3243-3dd4-4a8d-8c0d-dd76da1f02a5" xsi:nil="true"/>
+  </documentManagement>
+</p:properties>
 </file>
 
-<file path=customXml/itemProps3.xml><?xml version="1.0" encoding="utf-8"?>
+<file path=customXml/itemProps1.xml><?xml version="1.0" encoding="utf-8"?>
 <ds:datastoreItem xmlns:ds="http://schemas.openxmlformats.org/officeDocument/2006/customXml" ds:itemID="{94F21D10-BD83-491A-AAA6-945C2DB1EB01}">
   <ds:schemaRefs>
     <ds:schemaRef ds:uri="http://schemas.microsoft.com/office/2006/metadata/contentType"/>
@@ -15999,4 +15981,22 @@
     <ds:schemaRef ds:uri="http://schemas.microsoft.com/internal/obd"/>
   </ds:schemaRefs>
 </ds:datastoreItem>
+</file>
+
+<file path=customXml/itemProps2.xml><?xml version="1.0" encoding="utf-8"?>
+<ds:datastoreItem xmlns:ds="http://schemas.openxmlformats.org/officeDocument/2006/customXml" ds:itemID="{1D20B6E4-879E-4E6C-BDE7-261540CD3765}">
+  <ds:schemaRefs>
+    <ds:schemaRef ds:uri="http://schemas.microsoft.com/sharepoint/v3/contenttype/forms"/>
+  </ds:schemaRefs>
+</ds:datastoreItem>
+</file>
+
+<file path=customXml/itemProps3.xml><?xml version="1.0" encoding="utf-8"?>
+<ds:datastoreItem xmlns:ds="http://schemas.openxmlformats.org/officeDocument/2006/customXml" ds:itemID="{09EC1AB0-9704-404D-B6D3-819D938AC55B}">
+  <ds:schemaRefs>
+    <ds:schemaRef ds:uri="http://schemas.microsoft.com/office/2006/metadata/properties"/>
+    <ds:schemaRef ds:uri="http://schemas.microsoft.com/office/infopath/2007/PartnerControls"/>
+    <ds:schemaRef ds:uri="71af3243-3dd4-4a8d-8c0d-dd76da1f02a5"/>
+  </ds:schemaRefs>
+</ds:datastoreItem>
 </file>